--- a/ppts/[Session0] Python primer.pptx
+++ b/ppts/[Session0] Python primer.pptx
@@ -155,7 +155,7 @@
   </p:defaultTextStyle>
   <p:extLst>
     <p:ext uri="{EFAFB233-063F-42B5-8137-9DF3F51BA10A}">
-      <p15:sldGuideLst xmlns:p15="http://schemas.microsoft.com/office/powerpoint/2012/main" xmlns="">
+      <p15:sldGuideLst xmlns:p15="http://schemas.microsoft.com/office/powerpoint/2012/main">
         <p15:guide id="1" orient="horz" pos="2160">
           <p15:clr>
             <a:srgbClr val="A4A3A4"/>
@@ -254,7 +254,7 @@
           <a:p>
             <a:fld id="{7A6B77AA-7177-4D50-AB49-C260886B6169}" type="datetimeFigureOut">
               <a:rPr lang="ko-KR" altLang="en-US" smtClean="0"/>
-              <a:t>2017-07-04</a:t>
+              <a:t>2017-09-25</a:t>
             </a:fld>
             <a:endParaRPr lang="ko-KR" altLang="en-US"/>
           </a:p>
@@ -787,7 +787,7 @@
           <a:p>
             <a:fld id="{1179C0B5-9E42-4E82-BD73-9C37117B84AF}" type="datetimeFigureOut">
               <a:rPr lang="ko-KR" altLang="en-US" smtClean="0"/>
-              <a:t>2017-07-04</a:t>
+              <a:t>2017-09-25</a:t>
             </a:fld>
             <a:endParaRPr lang="ko-KR" altLang="en-US"/>
           </a:p>
@@ -957,7 +957,7 @@
           <a:p>
             <a:fld id="{1179C0B5-9E42-4E82-BD73-9C37117B84AF}" type="datetimeFigureOut">
               <a:rPr lang="ko-KR" altLang="en-US" smtClean="0"/>
-              <a:t>2017-07-04</a:t>
+              <a:t>2017-09-25</a:t>
             </a:fld>
             <a:endParaRPr lang="ko-KR" altLang="en-US"/>
           </a:p>
@@ -1137,7 +1137,7 @@
           <a:p>
             <a:fld id="{1179C0B5-9E42-4E82-BD73-9C37117B84AF}" type="datetimeFigureOut">
               <a:rPr lang="ko-KR" altLang="en-US" smtClean="0"/>
-              <a:t>2017-07-04</a:t>
+              <a:t>2017-09-25</a:t>
             </a:fld>
             <a:endParaRPr lang="ko-KR" altLang="en-US"/>
           </a:p>
@@ -1307,7 +1307,7 @@
           <a:p>
             <a:fld id="{1179C0B5-9E42-4E82-BD73-9C37117B84AF}" type="datetimeFigureOut">
               <a:rPr lang="ko-KR" altLang="en-US" smtClean="0"/>
-              <a:t>2017-07-04</a:t>
+              <a:t>2017-09-25</a:t>
             </a:fld>
             <a:endParaRPr lang="ko-KR" altLang="en-US"/>
           </a:p>
@@ -1553,7 +1553,7 @@
           <a:p>
             <a:fld id="{1179C0B5-9E42-4E82-BD73-9C37117B84AF}" type="datetimeFigureOut">
               <a:rPr lang="ko-KR" altLang="en-US" smtClean="0"/>
-              <a:t>2017-07-04</a:t>
+              <a:t>2017-09-25</a:t>
             </a:fld>
             <a:endParaRPr lang="ko-KR" altLang="en-US"/>
           </a:p>
@@ -1841,7 +1841,7 @@
           <a:p>
             <a:fld id="{1179C0B5-9E42-4E82-BD73-9C37117B84AF}" type="datetimeFigureOut">
               <a:rPr lang="ko-KR" altLang="en-US" smtClean="0"/>
-              <a:t>2017-07-04</a:t>
+              <a:t>2017-09-25</a:t>
             </a:fld>
             <a:endParaRPr lang="ko-KR" altLang="en-US"/>
           </a:p>
@@ -2263,7 +2263,7 @@
           <a:p>
             <a:fld id="{1179C0B5-9E42-4E82-BD73-9C37117B84AF}" type="datetimeFigureOut">
               <a:rPr lang="ko-KR" altLang="en-US" smtClean="0"/>
-              <a:t>2017-07-04</a:t>
+              <a:t>2017-09-25</a:t>
             </a:fld>
             <a:endParaRPr lang="ko-KR" altLang="en-US"/>
           </a:p>
@@ -2381,7 +2381,7 @@
           <a:p>
             <a:fld id="{1179C0B5-9E42-4E82-BD73-9C37117B84AF}" type="datetimeFigureOut">
               <a:rPr lang="ko-KR" altLang="en-US" smtClean="0"/>
-              <a:t>2017-07-04</a:t>
+              <a:t>2017-09-25</a:t>
             </a:fld>
             <a:endParaRPr lang="ko-KR" altLang="en-US"/>
           </a:p>
@@ -2476,7 +2476,7 @@
           <a:p>
             <a:fld id="{1179C0B5-9E42-4E82-BD73-9C37117B84AF}" type="datetimeFigureOut">
               <a:rPr lang="ko-KR" altLang="en-US" smtClean="0"/>
-              <a:t>2017-07-04</a:t>
+              <a:t>2017-09-25</a:t>
             </a:fld>
             <a:endParaRPr lang="ko-KR" altLang="en-US"/>
           </a:p>
@@ -2753,7 +2753,7 @@
           <a:p>
             <a:fld id="{1179C0B5-9E42-4E82-BD73-9C37117B84AF}" type="datetimeFigureOut">
               <a:rPr lang="ko-KR" altLang="en-US" smtClean="0"/>
-              <a:t>2017-07-04</a:t>
+              <a:t>2017-09-25</a:t>
             </a:fld>
             <a:endParaRPr lang="ko-KR" altLang="en-US"/>
           </a:p>
@@ -3006,7 +3006,7 @@
           <a:p>
             <a:fld id="{1179C0B5-9E42-4E82-BD73-9C37117B84AF}" type="datetimeFigureOut">
               <a:rPr lang="ko-KR" altLang="en-US" smtClean="0"/>
-              <a:t>2017-07-04</a:t>
+              <a:t>2017-09-25</a:t>
             </a:fld>
             <a:endParaRPr lang="ko-KR" altLang="en-US"/>
           </a:p>
@@ -3219,7 +3219,7 @@
           <a:p>
             <a:fld id="{1179C0B5-9E42-4E82-BD73-9C37117B84AF}" type="datetimeFigureOut">
               <a:rPr lang="ko-KR" altLang="en-US" smtClean="0"/>
-              <a:t>2017-07-04</a:t>
+              <a:t>2017-09-25</a:t>
             </a:fld>
             <a:endParaRPr lang="ko-KR" altLang="en-US"/>
           </a:p>
@@ -3730,103 +3730,9 @@
                 <a:latin typeface="Arial" pitchFamily="34" charset="0"/>
                 <a:cs typeface="Arial" pitchFamily="34" charset="0"/>
               </a:rPr>
-              <a:t>Python </a:t>
-            </a:r>
-            <a:r>
-              <a:rPr lang="en-US" altLang="ko-KR" sz="4000" b="1" dirty="0" smtClean="0">
-                <a:gradFill>
-                  <a:gsLst>
-                    <a:gs pos="0">
-                      <a:schemeClr val="tx1">
-                        <a:lumMod val="65000"/>
-                        <a:lumOff val="35000"/>
-                      </a:schemeClr>
-                    </a:gs>
-                    <a:gs pos="100000">
-                      <a:schemeClr val="tx1">
-                        <a:lumMod val="65000"/>
-                        <a:lumOff val="35000"/>
-                      </a:schemeClr>
-                    </a:gs>
-                  </a:gsLst>
-                  <a:lin ang="5400000" scaled="0"/>
-                </a:gradFill>
-                <a:latin typeface="Arial" pitchFamily="34" charset="0"/>
-                <a:cs typeface="Arial" pitchFamily="34" charset="0"/>
-              </a:rPr>
-              <a:t>Primer</a:t>
+              <a:t>Python Primer</a:t>
             </a:r>
             <a:endParaRPr lang="ko-KR" altLang="en-US" sz="4000" b="1" dirty="0">
-              <a:gradFill>
-                <a:gsLst>
-                  <a:gs pos="0">
-                    <a:schemeClr val="tx1">
-                      <a:lumMod val="65000"/>
-                      <a:lumOff val="35000"/>
-                    </a:schemeClr>
-                  </a:gs>
-                  <a:gs pos="100000">
-                    <a:schemeClr val="tx1">
-                      <a:lumMod val="65000"/>
-                      <a:lumOff val="35000"/>
-                    </a:schemeClr>
-                  </a:gs>
-                </a:gsLst>
-                <a:lin ang="5400000" scaled="0"/>
-              </a:gradFill>
-              <a:latin typeface="Arial" pitchFamily="34" charset="0"/>
-              <a:cs typeface="Arial" pitchFamily="34" charset="0"/>
-            </a:endParaRPr>
-          </a:p>
-        </p:txBody>
-      </p:sp>
-      <p:sp>
-        <p:nvSpPr>
-          <p:cNvPr id="6" name="TextBox 5"/>
-          <p:cNvSpPr txBox="1"/>
-          <p:nvPr/>
-        </p:nvSpPr>
-        <p:spPr>
-          <a:xfrm>
-            <a:off x="854185" y="3510300"/>
-            <a:ext cx="1402948" cy="369332"/>
-          </a:xfrm>
-          <a:prstGeom prst="rect">
-            <a:avLst/>
-          </a:prstGeom>
-          <a:noFill/>
-        </p:spPr>
-        <p:txBody>
-          <a:bodyPr wrap="none" rtlCol="0">
-            <a:spAutoFit/>
-          </a:bodyPr>
-          <a:lstStyle/>
-          <a:p>
-            <a:r>
-              <a:rPr lang="ko-KR" altLang="en-US" dirty="0" smtClean="0">
-                <a:gradFill>
-                  <a:gsLst>
-                    <a:gs pos="0">
-                      <a:schemeClr val="tx1">
-                        <a:lumMod val="65000"/>
-                        <a:lumOff val="35000"/>
-                      </a:schemeClr>
-                    </a:gs>
-                    <a:gs pos="100000">
-                      <a:schemeClr val="tx1">
-                        <a:lumMod val="65000"/>
-                        <a:lumOff val="35000"/>
-                      </a:schemeClr>
-                    </a:gs>
-                  </a:gsLst>
-                  <a:lin ang="5400000" scaled="0"/>
-                </a:gradFill>
-                <a:latin typeface="Arial" pitchFamily="34" charset="0"/>
-                <a:cs typeface="Arial" pitchFamily="34" charset="0"/>
-              </a:rPr>
-              <a:t>박진수 교수</a:t>
-            </a:r>
-            <a:endParaRPr lang="ko-KR" altLang="en-US" dirty="0">
               <a:gradFill>
                 <a:gsLst>
                   <a:gs pos="0">
@@ -3988,27 +3894,6 @@
               </a:rPr>
               <a:t>비정형 데이터 분석을 통한 효율적인 의사결정</a:t>
             </a:r>
-            <a:endParaRPr lang="ko-KR" altLang="en-US" dirty="0">
-              <a:gradFill>
-                <a:gsLst>
-                  <a:gs pos="0">
-                    <a:schemeClr val="tx1">
-                      <a:lumMod val="65000"/>
-                      <a:lumOff val="35000"/>
-                    </a:schemeClr>
-                  </a:gs>
-                  <a:gs pos="100000">
-                    <a:schemeClr val="tx1">
-                      <a:lumMod val="65000"/>
-                      <a:lumOff val="35000"/>
-                    </a:schemeClr>
-                  </a:gs>
-                </a:gsLst>
-                <a:lin ang="5400000" scaled="0"/>
-              </a:gradFill>
-              <a:latin typeface="Arial" pitchFamily="34" charset="0"/>
-              <a:cs typeface="Arial" pitchFamily="34" charset="0"/>
-            </a:endParaRPr>
           </a:p>
         </p:txBody>
       </p:sp>
@@ -4270,31 +4155,7 @@
                 <a:latin typeface="Arial" pitchFamily="34" charset="0"/>
                 <a:cs typeface="Arial" pitchFamily="34" charset="0"/>
               </a:rPr>
-              <a:t>2</a:t>
-            </a:r>
-            <a:r>
-              <a:rPr lang="en-US" altLang="ko-KR" sz="1400" dirty="0" smtClean="0">
-                <a:gradFill>
-                  <a:gsLst>
-                    <a:gs pos="0">
-                      <a:schemeClr val="tx1">
-                        <a:lumMod val="65000"/>
-                        <a:lumOff val="35000"/>
-                      </a:schemeClr>
-                    </a:gs>
-                    <a:gs pos="100000">
-                      <a:schemeClr val="tx1">
-                        <a:lumMod val="65000"/>
-                        <a:lumOff val="35000"/>
-                      </a:schemeClr>
-                    </a:gs>
-                  </a:gsLst>
-                  <a:lin ang="5400000" scaled="0"/>
-                </a:gradFill>
-                <a:latin typeface="Arial" pitchFamily="34" charset="0"/>
-                <a:cs typeface="Arial" pitchFamily="34" charset="0"/>
-              </a:rPr>
-              <a:t>. </a:t>
+              <a:t>2. </a:t>
             </a:r>
             <a:r>
               <a:rPr lang="ko-KR" altLang="en-US" sz="1400" dirty="0" smtClean="0">
@@ -7063,31 +6924,7 @@
                 <a:latin typeface="Arial" pitchFamily="34" charset="0"/>
                 <a:cs typeface="Arial" pitchFamily="34" charset="0"/>
               </a:rPr>
-              <a:t>3</a:t>
-            </a:r>
-            <a:r>
-              <a:rPr lang="en-US" altLang="ko-KR" sz="1400" dirty="0" smtClean="0">
-                <a:gradFill>
-                  <a:gsLst>
-                    <a:gs pos="0">
-                      <a:schemeClr val="tx1">
-                        <a:lumMod val="65000"/>
-                        <a:lumOff val="35000"/>
-                      </a:schemeClr>
-                    </a:gs>
-                    <a:gs pos="100000">
-                      <a:schemeClr val="tx1">
-                        <a:lumMod val="65000"/>
-                        <a:lumOff val="35000"/>
-                      </a:schemeClr>
-                    </a:gs>
-                  </a:gsLst>
-                  <a:lin ang="5400000" scaled="0"/>
-                </a:gradFill>
-                <a:latin typeface="Arial" pitchFamily="34" charset="0"/>
-                <a:cs typeface="Arial" pitchFamily="34" charset="0"/>
-              </a:rPr>
-              <a:t>. </a:t>
+              <a:t>3. </a:t>
             </a:r>
             <a:r>
               <a:rPr lang="ko-KR" altLang="en-US" sz="1400" dirty="0" smtClean="0">
@@ -8310,31 +8147,7 @@
                 <a:latin typeface="Arial" pitchFamily="34" charset="0"/>
                 <a:cs typeface="Arial" pitchFamily="34" charset="0"/>
               </a:rPr>
-              <a:t>4</a:t>
-            </a:r>
-            <a:r>
-              <a:rPr lang="en-US" altLang="ko-KR" sz="1400" dirty="0" smtClean="0">
-                <a:gradFill>
-                  <a:gsLst>
-                    <a:gs pos="0">
-                      <a:schemeClr val="tx1">
-                        <a:lumMod val="65000"/>
-                        <a:lumOff val="35000"/>
-                      </a:schemeClr>
-                    </a:gs>
-                    <a:gs pos="100000">
-                      <a:schemeClr val="tx1">
-                        <a:lumMod val="65000"/>
-                        <a:lumOff val="35000"/>
-                      </a:schemeClr>
-                    </a:gs>
-                  </a:gsLst>
-                  <a:lin ang="5400000" scaled="0"/>
-                </a:gradFill>
-                <a:latin typeface="Arial" pitchFamily="34" charset="0"/>
-                <a:cs typeface="Arial" pitchFamily="34" charset="0"/>
-              </a:rPr>
-              <a:t>. </a:t>
+              <a:t>4. </a:t>
             </a:r>
             <a:r>
               <a:rPr lang="ko-KR" altLang="en-US" sz="1400" dirty="0" smtClean="0">
@@ -12199,31 +12012,7 @@
                 <a:latin typeface="Arial" pitchFamily="34" charset="0"/>
                 <a:cs typeface="Arial" pitchFamily="34" charset="0"/>
               </a:rPr>
-              <a:t>5</a:t>
-            </a:r>
-            <a:r>
-              <a:rPr lang="en-US" altLang="ko-KR" sz="1400" dirty="0" smtClean="0">
-                <a:gradFill>
-                  <a:gsLst>
-                    <a:gs pos="0">
-                      <a:schemeClr val="tx1">
-                        <a:lumMod val="65000"/>
-                        <a:lumOff val="35000"/>
-                      </a:schemeClr>
-                    </a:gs>
-                    <a:gs pos="100000">
-                      <a:schemeClr val="tx1">
-                        <a:lumMod val="65000"/>
-                        <a:lumOff val="35000"/>
-                      </a:schemeClr>
-                    </a:gs>
-                  </a:gsLst>
-                  <a:lin ang="5400000" scaled="0"/>
-                </a:gradFill>
-                <a:latin typeface="Arial" pitchFamily="34" charset="0"/>
-                <a:cs typeface="Arial" pitchFamily="34" charset="0"/>
-              </a:rPr>
-              <a:t>. </a:t>
+              <a:t>5. </a:t>
             </a:r>
             <a:r>
               <a:rPr lang="ko-KR" altLang="en-US" sz="1400" dirty="0" smtClean="0">
@@ -13396,31 +13185,7 @@
                 <a:latin typeface="Arial" pitchFamily="34" charset="0"/>
                 <a:cs typeface="Arial" pitchFamily="34" charset="0"/>
               </a:rPr>
-              <a:t>6</a:t>
-            </a:r>
-            <a:r>
-              <a:rPr lang="en-US" altLang="ko-KR" sz="1400" dirty="0" smtClean="0">
-                <a:gradFill>
-                  <a:gsLst>
-                    <a:gs pos="0">
-                      <a:schemeClr val="tx1">
-                        <a:lumMod val="65000"/>
-                        <a:lumOff val="35000"/>
-                      </a:schemeClr>
-                    </a:gs>
-                    <a:gs pos="100000">
-                      <a:schemeClr val="tx1">
-                        <a:lumMod val="65000"/>
-                        <a:lumOff val="35000"/>
-                      </a:schemeClr>
-                    </a:gs>
-                  </a:gsLst>
-                  <a:lin ang="5400000" scaled="0"/>
-                </a:gradFill>
-                <a:latin typeface="Arial" pitchFamily="34" charset="0"/>
-                <a:cs typeface="Arial" pitchFamily="34" charset="0"/>
-              </a:rPr>
-              <a:t>. </a:t>
+              <a:t>6. </a:t>
             </a:r>
             <a:r>
               <a:rPr lang="ko-KR" altLang="en-US" sz="1400" dirty="0" smtClean="0">
@@ -14597,31 +14362,7 @@
                 <a:latin typeface="Arial" pitchFamily="34" charset="0"/>
                 <a:cs typeface="Arial" pitchFamily="34" charset="0"/>
               </a:rPr>
-              <a:t>7</a:t>
-            </a:r>
-            <a:r>
-              <a:rPr lang="en-US" altLang="ko-KR" sz="1400" dirty="0" smtClean="0">
-                <a:gradFill>
-                  <a:gsLst>
-                    <a:gs pos="0">
-                      <a:schemeClr val="tx1">
-                        <a:lumMod val="65000"/>
-                        <a:lumOff val="35000"/>
-                      </a:schemeClr>
-                    </a:gs>
-                    <a:gs pos="100000">
-                      <a:schemeClr val="tx1">
-                        <a:lumMod val="65000"/>
-                        <a:lumOff val="35000"/>
-                      </a:schemeClr>
-                    </a:gs>
-                  </a:gsLst>
-                  <a:lin ang="5400000" scaled="0"/>
-                </a:gradFill>
-                <a:latin typeface="Arial" pitchFamily="34" charset="0"/>
-                <a:cs typeface="Arial" pitchFamily="34" charset="0"/>
-              </a:rPr>
-              <a:t>. </a:t>
+              <a:t>7. </a:t>
             </a:r>
             <a:r>
               <a:rPr lang="ko-KR" altLang="en-US" sz="1400" dirty="0" smtClean="0">
@@ -18131,31 +17872,7 @@
                 <a:latin typeface="Arial" pitchFamily="34" charset="0"/>
                 <a:cs typeface="Arial" pitchFamily="34" charset="0"/>
               </a:rPr>
-              <a:t>8</a:t>
-            </a:r>
-            <a:r>
-              <a:rPr lang="en-US" altLang="ko-KR" sz="1400" dirty="0" smtClean="0">
-                <a:gradFill>
-                  <a:gsLst>
-                    <a:gs pos="0">
-                      <a:schemeClr val="tx1">
-                        <a:lumMod val="65000"/>
-                        <a:lumOff val="35000"/>
-                      </a:schemeClr>
-                    </a:gs>
-                    <a:gs pos="100000">
-                      <a:schemeClr val="tx1">
-                        <a:lumMod val="65000"/>
-                        <a:lumOff val="35000"/>
-                      </a:schemeClr>
-                    </a:gs>
-                  </a:gsLst>
-                  <a:lin ang="5400000" scaled="0"/>
-                </a:gradFill>
-                <a:latin typeface="Arial" pitchFamily="34" charset="0"/>
-                <a:cs typeface="Arial" pitchFamily="34" charset="0"/>
-              </a:rPr>
-              <a:t>. </a:t>
+              <a:t>8. </a:t>
             </a:r>
             <a:r>
               <a:rPr lang="ko-KR" altLang="en-US" sz="1400" dirty="0" smtClean="0">
@@ -19042,31 +18759,7 @@
                 <a:latin typeface="Arial" pitchFamily="34" charset="0"/>
                 <a:cs typeface="Arial" pitchFamily="34" charset="0"/>
               </a:rPr>
-              <a:t>9</a:t>
-            </a:r>
-            <a:r>
-              <a:rPr lang="en-US" altLang="ko-KR" sz="1400" dirty="0" smtClean="0">
-                <a:gradFill>
-                  <a:gsLst>
-                    <a:gs pos="0">
-                      <a:schemeClr val="tx1">
-                        <a:lumMod val="65000"/>
-                        <a:lumOff val="35000"/>
-                      </a:schemeClr>
-                    </a:gs>
-                    <a:gs pos="100000">
-                      <a:schemeClr val="tx1">
-                        <a:lumMod val="65000"/>
-                        <a:lumOff val="35000"/>
-                      </a:schemeClr>
-                    </a:gs>
-                  </a:gsLst>
-                  <a:lin ang="5400000" scaled="0"/>
-                </a:gradFill>
-                <a:latin typeface="Arial" pitchFamily="34" charset="0"/>
-                <a:cs typeface="Arial" pitchFamily="34" charset="0"/>
-              </a:rPr>
-              <a:t>. 2</a:t>
+              <a:t>9. 2</a:t>
             </a:r>
             <a:r>
               <a:rPr lang="ko-KR" altLang="en-US" sz="1400" dirty="0" smtClean="0">
@@ -25101,31 +24794,7 @@
                 <a:latin typeface="Arial" pitchFamily="34" charset="0"/>
                 <a:cs typeface="Arial" pitchFamily="34" charset="0"/>
               </a:rPr>
-              <a:t>10</a:t>
-            </a:r>
-            <a:r>
-              <a:rPr lang="en-US" altLang="ko-KR" sz="1400" dirty="0" smtClean="0">
-                <a:gradFill>
-                  <a:gsLst>
-                    <a:gs pos="0">
-                      <a:schemeClr val="tx1">
-                        <a:lumMod val="65000"/>
-                        <a:lumOff val="35000"/>
-                      </a:schemeClr>
-                    </a:gs>
-                    <a:gs pos="100000">
-                      <a:schemeClr val="tx1">
-                        <a:lumMod val="65000"/>
-                        <a:lumOff val="35000"/>
-                      </a:schemeClr>
-                    </a:gs>
-                  </a:gsLst>
-                  <a:lin ang="5400000" scaled="0"/>
-                </a:gradFill>
-                <a:latin typeface="Arial" pitchFamily="34" charset="0"/>
-                <a:cs typeface="Arial" pitchFamily="34" charset="0"/>
-              </a:rPr>
-              <a:t>. </a:t>
+              <a:t>10. </a:t>
             </a:r>
             <a:r>
               <a:rPr lang="ko-KR" altLang="en-US" sz="1400" dirty="0" err="1" smtClean="0">
@@ -29984,31 +29653,7 @@
                 <a:latin typeface="Arial" pitchFamily="34" charset="0"/>
                 <a:cs typeface="Arial" pitchFamily="34" charset="0"/>
               </a:rPr>
-              <a:t>11</a:t>
-            </a:r>
-            <a:r>
-              <a:rPr lang="en-US" altLang="ko-KR" sz="1400" dirty="0" smtClean="0">
-                <a:gradFill>
-                  <a:gsLst>
-                    <a:gs pos="0">
-                      <a:schemeClr val="tx1">
-                        <a:lumMod val="65000"/>
-                        <a:lumOff val="35000"/>
-                      </a:schemeClr>
-                    </a:gs>
-                    <a:gs pos="100000">
-                      <a:schemeClr val="tx1">
-                        <a:lumMod val="65000"/>
-                        <a:lumOff val="35000"/>
-                      </a:schemeClr>
-                    </a:gs>
-                  </a:gsLst>
-                  <a:lin ang="5400000" scaled="0"/>
-                </a:gradFill>
-                <a:latin typeface="Arial" pitchFamily="34" charset="0"/>
-                <a:cs typeface="Arial" pitchFamily="34" charset="0"/>
-              </a:rPr>
-              <a:t>. </a:t>
+              <a:t>11. </a:t>
             </a:r>
             <a:r>
               <a:rPr lang="ko-KR" altLang="en-US" sz="1400" dirty="0" smtClean="0">
@@ -30769,31 +30414,7 @@
                 <a:latin typeface="Arial" pitchFamily="34" charset="0"/>
                 <a:cs typeface="Arial" pitchFamily="34" charset="0"/>
               </a:rPr>
-              <a:t>12</a:t>
-            </a:r>
-            <a:r>
-              <a:rPr lang="en-US" altLang="ko-KR" sz="1400" dirty="0" smtClean="0">
-                <a:gradFill>
-                  <a:gsLst>
-                    <a:gs pos="0">
-                      <a:schemeClr val="tx1">
-                        <a:lumMod val="65000"/>
-                        <a:lumOff val="35000"/>
-                      </a:schemeClr>
-                    </a:gs>
-                    <a:gs pos="100000">
-                      <a:schemeClr val="tx1">
-                        <a:lumMod val="65000"/>
-                        <a:lumOff val="35000"/>
-                      </a:schemeClr>
-                    </a:gs>
-                  </a:gsLst>
-                  <a:lin ang="5400000" scaled="0"/>
-                </a:gradFill>
-                <a:latin typeface="Arial" pitchFamily="34" charset="0"/>
-                <a:cs typeface="Arial" pitchFamily="34" charset="0"/>
-              </a:rPr>
-              <a:t>. </a:t>
+              <a:t>12. </a:t>
             </a:r>
             <a:r>
               <a:rPr lang="ko-KR" altLang="en-US" sz="1400" dirty="0" smtClean="0">
@@ -31554,31 +31175,7 @@
                 <a:latin typeface="Arial" pitchFamily="34" charset="0"/>
                 <a:cs typeface="Arial" pitchFamily="34" charset="0"/>
               </a:rPr>
-              <a:t>13</a:t>
-            </a:r>
-            <a:r>
-              <a:rPr lang="en-US" altLang="ko-KR" sz="1400" dirty="0" smtClean="0">
-                <a:gradFill>
-                  <a:gsLst>
-                    <a:gs pos="0">
-                      <a:schemeClr val="tx1">
-                        <a:lumMod val="65000"/>
-                        <a:lumOff val="35000"/>
-                      </a:schemeClr>
-                    </a:gs>
-                    <a:gs pos="100000">
-                      <a:schemeClr val="tx1">
-                        <a:lumMod val="65000"/>
-                        <a:lumOff val="35000"/>
-                      </a:schemeClr>
-                    </a:gs>
-                  </a:gsLst>
-                  <a:lin ang="5400000" scaled="0"/>
-                </a:gradFill>
-                <a:latin typeface="Arial" pitchFamily="34" charset="0"/>
-                <a:cs typeface="Arial" pitchFamily="34" charset="0"/>
-              </a:rPr>
-              <a:t>. </a:t>
+              <a:t>13. </a:t>
             </a:r>
             <a:r>
               <a:rPr lang="ko-KR" altLang="en-US" sz="1400" dirty="0" smtClean="0">
@@ -36108,31 +35705,7 @@
                 <a:latin typeface="Arial" pitchFamily="34" charset="0"/>
                 <a:cs typeface="Arial" pitchFamily="34" charset="0"/>
               </a:rPr>
-              <a:t>14</a:t>
-            </a:r>
-            <a:r>
-              <a:rPr lang="en-US" altLang="ko-KR" sz="1400" dirty="0" smtClean="0">
-                <a:gradFill>
-                  <a:gsLst>
-                    <a:gs pos="0">
-                      <a:schemeClr val="tx1">
-                        <a:lumMod val="65000"/>
-                        <a:lumOff val="35000"/>
-                      </a:schemeClr>
-                    </a:gs>
-                    <a:gs pos="100000">
-                      <a:schemeClr val="tx1">
-                        <a:lumMod val="65000"/>
-                        <a:lumOff val="35000"/>
-                      </a:schemeClr>
-                    </a:gs>
-                  </a:gsLst>
-                  <a:lin ang="5400000" scaled="0"/>
-                </a:gradFill>
-                <a:latin typeface="Arial" pitchFamily="34" charset="0"/>
-                <a:cs typeface="Arial" pitchFamily="34" charset="0"/>
-              </a:rPr>
-              <a:t>. </a:t>
+              <a:t>14. </a:t>
             </a:r>
             <a:r>
               <a:rPr lang="en-US" altLang="ko-KR" sz="1400" dirty="0" err="1" smtClean="0">
@@ -38401,10 +37974,34 @@
                 <a:tableStyleId>{C083E6E3-FA7D-4D7B-A595-EF9225AFEA82}</a:tableStyleId>
               </a:tblPr>
               <a:tblGrid>
-                <a:gridCol w="1584176"/>
-                <a:gridCol w="2520280"/>
-                <a:gridCol w="746567"/>
-                <a:gridCol w="2321243"/>
+                <a:gridCol w="1584176">
+                  <a:extLst>
+                    <a:ext uri="{9D8B030D-6E8A-4147-A177-3AD203B41FA5}">
+                      <a16:colId xmlns:a16="http://schemas.microsoft.com/office/drawing/2014/main" val="20000"/>
+                    </a:ext>
+                  </a:extLst>
+                </a:gridCol>
+                <a:gridCol w="2520280">
+                  <a:extLst>
+                    <a:ext uri="{9D8B030D-6E8A-4147-A177-3AD203B41FA5}">
+                      <a16:colId xmlns:a16="http://schemas.microsoft.com/office/drawing/2014/main" val="20001"/>
+                    </a:ext>
+                  </a:extLst>
+                </a:gridCol>
+                <a:gridCol w="746567">
+                  <a:extLst>
+                    <a:ext uri="{9D8B030D-6E8A-4147-A177-3AD203B41FA5}">
+                      <a16:colId xmlns:a16="http://schemas.microsoft.com/office/drawing/2014/main" val="20002"/>
+                    </a:ext>
+                  </a:extLst>
+                </a:gridCol>
+                <a:gridCol w="2321243">
+                  <a:extLst>
+                    <a:ext uri="{9D8B030D-6E8A-4147-A177-3AD203B41FA5}">
+                      <a16:colId xmlns:a16="http://schemas.microsoft.com/office/drawing/2014/main" val="20003"/>
+                    </a:ext>
+                  </a:extLst>
+                </a:gridCol>
               </a:tblGrid>
               <a:tr h="414583">
                 <a:tc>
@@ -38635,6 +38232,11 @@
                   </a:txBody>
                   <a:tcPr anchor="ctr"/>
                 </a:tc>
+                <a:extLst>
+                  <a:ext uri="{0D108BD9-81ED-4DB2-BD59-A6C34878D82A}">
+                    <a16:rowId xmlns:a16="http://schemas.microsoft.com/office/drawing/2014/main" val="10000"/>
+                  </a:ext>
+                </a:extLst>
               </a:tr>
               <a:tr h="414583">
                 <a:tc>
@@ -38890,6 +38492,11 @@
                   </a:txBody>
                   <a:tcPr anchor="ctr"/>
                 </a:tc>
+                <a:extLst>
+                  <a:ext uri="{0D108BD9-81ED-4DB2-BD59-A6C34878D82A}">
+                    <a16:rowId xmlns:a16="http://schemas.microsoft.com/office/drawing/2014/main" val="10001"/>
+                  </a:ext>
+                </a:extLst>
               </a:tr>
               <a:tr h="517226">
                 <a:tc>
@@ -39245,6 +38852,11 @@
                   </a:txBody>
                   <a:tcPr anchor="ctr"/>
                 </a:tc>
+                <a:extLst>
+                  <a:ext uri="{0D108BD9-81ED-4DB2-BD59-A6C34878D82A}">
+                    <a16:rowId xmlns:a16="http://schemas.microsoft.com/office/drawing/2014/main" val="10002"/>
+                  </a:ext>
+                </a:extLst>
               </a:tr>
               <a:tr h="414583">
                 <a:tc>
@@ -39575,6 +39187,11 @@
                   </a:txBody>
                   <a:tcPr anchor="ctr"/>
                 </a:tc>
+                <a:extLst>
+                  <a:ext uri="{0D108BD9-81ED-4DB2-BD59-A6C34878D82A}">
+                    <a16:rowId xmlns:a16="http://schemas.microsoft.com/office/drawing/2014/main" val="10003"/>
+                  </a:ext>
+                </a:extLst>
               </a:tr>
               <a:tr h="414583">
                 <a:tc>
@@ -39880,6 +39497,11 @@
                   </a:txBody>
                   <a:tcPr anchor="ctr"/>
                 </a:tc>
+                <a:extLst>
+                  <a:ext uri="{0D108BD9-81ED-4DB2-BD59-A6C34878D82A}">
+                    <a16:rowId xmlns:a16="http://schemas.microsoft.com/office/drawing/2014/main" val="10004"/>
+                  </a:ext>
+                </a:extLst>
               </a:tr>
               <a:tr h="414583">
                 <a:tc>
@@ -40160,6 +39782,11 @@
                   </a:txBody>
                   <a:tcPr anchor="ctr"/>
                 </a:tc>
+                <a:extLst>
+                  <a:ext uri="{0D108BD9-81ED-4DB2-BD59-A6C34878D82A}">
+                    <a16:rowId xmlns:a16="http://schemas.microsoft.com/office/drawing/2014/main" val="10005"/>
+                  </a:ext>
+                </a:extLst>
               </a:tr>
               <a:tr h="414583">
                 <a:tc>
@@ -40515,6 +40142,11 @@
                   </a:txBody>
                   <a:tcPr anchor="ctr"/>
                 </a:tc>
+                <a:extLst>
+                  <a:ext uri="{0D108BD9-81ED-4DB2-BD59-A6C34878D82A}">
+                    <a16:rowId xmlns:a16="http://schemas.microsoft.com/office/drawing/2014/main" val="10006"/>
+                  </a:ext>
+                </a:extLst>
               </a:tr>
               <a:tr h="414583">
                 <a:tc>
@@ -40795,6 +40427,11 @@
                   </a:txBody>
                   <a:tcPr anchor="ctr"/>
                 </a:tc>
+                <a:extLst>
+                  <a:ext uri="{0D108BD9-81ED-4DB2-BD59-A6C34878D82A}">
+                    <a16:rowId xmlns:a16="http://schemas.microsoft.com/office/drawing/2014/main" val="10007"/>
+                  </a:ext>
+                </a:extLst>
               </a:tr>
               <a:tr h="414583">
                 <a:tc>
@@ -41100,6 +40737,11 @@
                   </a:txBody>
                   <a:tcPr anchor="ctr"/>
                 </a:tc>
+                <a:extLst>
+                  <a:ext uri="{0D108BD9-81ED-4DB2-BD59-A6C34878D82A}">
+                    <a16:rowId xmlns:a16="http://schemas.microsoft.com/office/drawing/2014/main" val="10008"/>
+                  </a:ext>
+                </a:extLst>
               </a:tr>
               <a:tr h="414583">
                 <a:tc>
@@ -41405,6 +41047,11 @@
                   </a:txBody>
                   <a:tcPr anchor="ctr"/>
                 </a:tc>
+                <a:extLst>
+                  <a:ext uri="{0D108BD9-81ED-4DB2-BD59-A6C34878D82A}">
+                    <a16:rowId xmlns:a16="http://schemas.microsoft.com/office/drawing/2014/main" val="10009"/>
+                  </a:ext>
+                </a:extLst>
               </a:tr>
             </a:tbl>
           </a:graphicData>
@@ -42390,31 +42037,7 @@
                 <a:latin typeface="Arial" pitchFamily="34" charset="0"/>
                 <a:cs typeface="Arial" pitchFamily="34" charset="0"/>
               </a:rPr>
-              <a:t>1</a:t>
-            </a:r>
-            <a:r>
-              <a:rPr lang="en-US" altLang="ko-KR" sz="1400" dirty="0" smtClean="0">
-                <a:gradFill>
-                  <a:gsLst>
-                    <a:gs pos="0">
-                      <a:schemeClr val="tx1">
-                        <a:lumMod val="65000"/>
-                        <a:lumOff val="35000"/>
-                      </a:schemeClr>
-                    </a:gs>
-                    <a:gs pos="100000">
-                      <a:schemeClr val="tx1">
-                        <a:lumMod val="65000"/>
-                        <a:lumOff val="35000"/>
-                      </a:schemeClr>
-                    </a:gs>
-                  </a:gsLst>
-                  <a:lin ang="5400000" scaled="0"/>
-                </a:gradFill>
-                <a:latin typeface="Arial" pitchFamily="34" charset="0"/>
-                <a:cs typeface="Arial" pitchFamily="34" charset="0"/>
-              </a:rPr>
-              <a:t>. XOR </a:t>
+              <a:t>1. XOR </a:t>
             </a:r>
             <a:r>
               <a:rPr lang="ko-KR" altLang="en-US" sz="1400" dirty="0" smtClean="0">
